--- a/Documentation/Wiring.pptx
+++ b/Documentation/Wiring.pptx
@@ -8,6 +8,7 @@
     <p:sldId id="256" r:id="rId2"/>
     <p:sldId id="257" r:id="rId3"/>
     <p:sldId id="258" r:id="rId4"/>
+    <p:sldId id="259" r:id="rId5"/>
   </p:sldIdLst>
   <p:sldSz cx="12192000" cy="6858000"/>
   <p:notesSz cx="6858000" cy="9144000"/>
@@ -106,6 +107,11 @@
       </a:defRPr>
     </a:lvl9pPr>
   </p:defaultTextStyle>
+  <p:extLst>
+    <p:ext uri="{EFAFB233-063F-42B5-8137-9DF3F51BA10A}">
+      <p15:sldGuideLst xmlns:p15="http://schemas.microsoft.com/office/powerpoint/2012/main"/>
+    </p:ext>
+  </p:extLst>
 </p:presentation>
 </file>
 
@@ -256,7 +262,7 @@
           <a:p>
             <a:fld id="{570BDB95-98F5-4807-8442-A270644B8B55}" type="datetimeFigureOut">
               <a:rPr lang="en-US" smtClean="0"/>
-              <a:t>10/24/2024</a:t>
+              <a:t>10/25/2024</a:t>
             </a:fld>
             <a:endParaRPr lang="en-US"/>
           </a:p>
@@ -454,7 +460,7 @@
           <a:p>
             <a:fld id="{570BDB95-98F5-4807-8442-A270644B8B55}" type="datetimeFigureOut">
               <a:rPr lang="en-US" smtClean="0"/>
-              <a:t>10/24/2024</a:t>
+              <a:t>10/25/2024</a:t>
             </a:fld>
             <a:endParaRPr lang="en-US"/>
           </a:p>
@@ -662,7 +668,7 @@
           <a:p>
             <a:fld id="{570BDB95-98F5-4807-8442-A270644B8B55}" type="datetimeFigureOut">
               <a:rPr lang="en-US" smtClean="0"/>
-              <a:t>10/24/2024</a:t>
+              <a:t>10/25/2024</a:t>
             </a:fld>
             <a:endParaRPr lang="en-US"/>
           </a:p>
@@ -860,7 +866,7 @@
           <a:p>
             <a:fld id="{570BDB95-98F5-4807-8442-A270644B8B55}" type="datetimeFigureOut">
               <a:rPr lang="en-US" smtClean="0"/>
-              <a:t>10/24/2024</a:t>
+              <a:t>10/25/2024</a:t>
             </a:fld>
             <a:endParaRPr lang="en-US"/>
           </a:p>
@@ -1135,7 +1141,7 @@
           <a:p>
             <a:fld id="{570BDB95-98F5-4807-8442-A270644B8B55}" type="datetimeFigureOut">
               <a:rPr lang="en-US" smtClean="0"/>
-              <a:t>10/24/2024</a:t>
+              <a:t>10/25/2024</a:t>
             </a:fld>
             <a:endParaRPr lang="en-US"/>
           </a:p>
@@ -1400,7 +1406,7 @@
           <a:p>
             <a:fld id="{570BDB95-98F5-4807-8442-A270644B8B55}" type="datetimeFigureOut">
               <a:rPr lang="en-US" smtClean="0"/>
-              <a:t>10/24/2024</a:t>
+              <a:t>10/25/2024</a:t>
             </a:fld>
             <a:endParaRPr lang="en-US"/>
           </a:p>
@@ -1812,7 +1818,7 @@
           <a:p>
             <a:fld id="{570BDB95-98F5-4807-8442-A270644B8B55}" type="datetimeFigureOut">
               <a:rPr lang="en-US" smtClean="0"/>
-              <a:t>10/24/2024</a:t>
+              <a:t>10/25/2024</a:t>
             </a:fld>
             <a:endParaRPr lang="en-US"/>
           </a:p>
@@ -1953,7 +1959,7 @@
           <a:p>
             <a:fld id="{570BDB95-98F5-4807-8442-A270644B8B55}" type="datetimeFigureOut">
               <a:rPr lang="en-US" smtClean="0"/>
-              <a:t>10/24/2024</a:t>
+              <a:t>10/25/2024</a:t>
             </a:fld>
             <a:endParaRPr lang="en-US"/>
           </a:p>
@@ -2066,7 +2072,7 @@
           <a:p>
             <a:fld id="{570BDB95-98F5-4807-8442-A270644B8B55}" type="datetimeFigureOut">
               <a:rPr lang="en-US" smtClean="0"/>
-              <a:t>10/24/2024</a:t>
+              <a:t>10/25/2024</a:t>
             </a:fld>
             <a:endParaRPr lang="en-US"/>
           </a:p>
@@ -2377,7 +2383,7 @@
           <a:p>
             <a:fld id="{570BDB95-98F5-4807-8442-A270644B8B55}" type="datetimeFigureOut">
               <a:rPr lang="en-US" smtClean="0"/>
-              <a:t>10/24/2024</a:t>
+              <a:t>10/25/2024</a:t>
             </a:fld>
             <a:endParaRPr lang="en-US"/>
           </a:p>
@@ -2665,7 +2671,7 @@
           <a:p>
             <a:fld id="{570BDB95-98F5-4807-8442-A270644B8B55}" type="datetimeFigureOut">
               <a:rPr lang="en-US" smtClean="0"/>
-              <a:t>10/24/2024</a:t>
+              <a:t>10/25/2024</a:t>
             </a:fld>
             <a:endParaRPr lang="en-US"/>
           </a:p>
@@ -2906,7 +2912,7 @@
           <a:p>
             <a:fld id="{570BDB95-98F5-4807-8442-A270644B8B55}" type="datetimeFigureOut">
               <a:rPr lang="en-US" smtClean="0"/>
-              <a:t>10/24/2024</a:t>
+              <a:t>10/25/2024</a:t>
             </a:fld>
             <a:endParaRPr lang="en-US"/>
           </a:p>
@@ -3699,7 +3705,7 @@
         <p:spPr>
           <a:xfrm>
             <a:off x="838200" y="1384917"/>
-            <a:ext cx="10515600" cy="4792046"/>
+            <a:ext cx="10515600" cy="560162"/>
           </a:xfrm>
         </p:spPr>
         <p:txBody>
@@ -3750,10 +3756,335 @@
           </a:p>
         </p:txBody>
       </p:sp>
+      <p:sp>
+        <p:nvSpPr>
+          <p:cNvPr id="4" name="TextBox 3">
+            <a:extLst>
+              <a:ext uri="{FF2B5EF4-FFF2-40B4-BE49-F238E27FC236}">
+                <a16:creationId xmlns:a16="http://schemas.microsoft.com/office/drawing/2014/main" id="{72EF4E6C-880B-EF26-AEDE-6FA06AD9D846}"/>
+              </a:ext>
+            </a:extLst>
+          </p:cNvPr>
+          <p:cNvSpPr txBox="1"/>
+          <p:nvPr/>
+        </p:nvSpPr>
+        <p:spPr>
+          <a:xfrm>
+            <a:off x="1550598" y="3244334"/>
+            <a:ext cx="9936192" cy="369332"/>
+          </a:xfrm>
+          <a:prstGeom prst="rect">
+            <a:avLst/>
+          </a:prstGeom>
+          <a:noFill/>
+        </p:spPr>
+        <p:txBody>
+          <a:bodyPr wrap="square" rtlCol="0">
+            <a:spAutoFit/>
+          </a:bodyPr>
+          <a:lstStyle/>
+          <a:p>
+            <a:r>
+              <a:rPr lang="en-US" b="0" i="0" dirty="0">
+                <a:solidFill>
+                  <a:srgbClr val="212529"/>
+                </a:solidFill>
+                <a:effectLst/>
+                <a:latin typeface="-apple-system"/>
+              </a:rPr>
+              <a:t>https://amz.run/9l8O</a:t>
+            </a:r>
+            <a:endParaRPr lang="en-US" dirty="0"/>
+          </a:p>
+        </p:txBody>
+      </p:sp>
+      <p:sp>
+        <p:nvSpPr>
+          <p:cNvPr id="6" name="TextBox 5">
+            <a:extLst>
+              <a:ext uri="{FF2B5EF4-FFF2-40B4-BE49-F238E27FC236}">
+                <a16:creationId xmlns:a16="http://schemas.microsoft.com/office/drawing/2014/main" id="{FC54D990-43E1-C81A-3142-AF62C08A85E4}"/>
+              </a:ext>
+            </a:extLst>
+          </p:cNvPr>
+          <p:cNvSpPr txBox="1"/>
+          <p:nvPr/>
+        </p:nvSpPr>
+        <p:spPr>
+          <a:xfrm>
+            <a:off x="838200" y="2842252"/>
+            <a:ext cx="5340308" cy="369332"/>
+          </a:xfrm>
+          <a:prstGeom prst="rect">
+            <a:avLst/>
+          </a:prstGeom>
+          <a:noFill/>
+        </p:spPr>
+        <p:txBody>
+          <a:bodyPr wrap="none" rtlCol="0">
+            <a:spAutoFit/>
+          </a:bodyPr>
+          <a:lstStyle/>
+          <a:p>
+            <a:pPr marL="285750" indent="-285750">
+              <a:buFont typeface="Arial" panose="020B0604020202020204" pitchFamily="34" charset="0"/>
+              <a:buChar char="•"/>
+            </a:pPr>
+            <a:r>
+              <a:rPr lang="en-US" dirty="0"/>
+              <a:t>Need 28 AWG RJ45 cables to splice into above cable</a:t>
+            </a:r>
+          </a:p>
+        </p:txBody>
+      </p:sp>
+      <p:sp>
+        <p:nvSpPr>
+          <p:cNvPr id="7" name="TextBox 6">
+            <a:extLst>
+              <a:ext uri="{FF2B5EF4-FFF2-40B4-BE49-F238E27FC236}">
+                <a16:creationId xmlns:a16="http://schemas.microsoft.com/office/drawing/2014/main" id="{F5E1D052-0BBA-04EE-56A8-9AF457026538}"/>
+              </a:ext>
+            </a:extLst>
+          </p:cNvPr>
+          <p:cNvSpPr txBox="1"/>
+          <p:nvPr/>
+        </p:nvSpPr>
+        <p:spPr>
+          <a:xfrm>
+            <a:off x="720138" y="3864508"/>
+            <a:ext cx="7376699" cy="646331"/>
+          </a:xfrm>
+          <a:prstGeom prst="rect">
+            <a:avLst/>
+          </a:prstGeom>
+          <a:noFill/>
+        </p:spPr>
+        <p:txBody>
+          <a:bodyPr wrap="none" rtlCol="0">
+            <a:spAutoFit/>
+          </a:bodyPr>
+          <a:lstStyle/>
+          <a:p>
+            <a:pPr marL="285750" indent="-285750">
+              <a:buFont typeface="Arial" panose="020B0604020202020204" pitchFamily="34" charset="0"/>
+              <a:buChar char="•"/>
+            </a:pPr>
+            <a:r>
+              <a:rPr lang="en-US" dirty="0"/>
+              <a:t>Need splice between original 28 gauge cable and ethernet connected one</a:t>
+            </a:r>
+          </a:p>
+          <a:p>
+            <a:pPr marL="742950" lvl="1" indent="-285750">
+              <a:buFont typeface="Arial" panose="020B0604020202020204" pitchFamily="34" charset="0"/>
+              <a:buChar char="•"/>
+            </a:pPr>
+            <a:r>
+              <a:rPr lang="en-US" b="0" i="0" dirty="0">
+                <a:solidFill>
+                  <a:srgbClr val="212529"/>
+                </a:solidFill>
+                <a:effectLst/>
+                <a:latin typeface="-apple-system"/>
+              </a:rPr>
+              <a:t>https://amz.run/9l8R</a:t>
+            </a:r>
+            <a:endParaRPr lang="en-US" dirty="0"/>
+          </a:p>
+        </p:txBody>
+      </p:sp>
+      <p:sp>
+        <p:nvSpPr>
+          <p:cNvPr id="9" name="TextBox 8">
+            <a:extLst>
+              <a:ext uri="{FF2B5EF4-FFF2-40B4-BE49-F238E27FC236}">
+                <a16:creationId xmlns:a16="http://schemas.microsoft.com/office/drawing/2014/main" id="{CE378DBF-35B3-9782-62C3-DF6CF36BA8F5}"/>
+              </a:ext>
+            </a:extLst>
+          </p:cNvPr>
+          <p:cNvSpPr txBox="1"/>
+          <p:nvPr/>
+        </p:nvSpPr>
+        <p:spPr>
+          <a:xfrm>
+            <a:off x="720138" y="4726511"/>
+            <a:ext cx="5882316" cy="646331"/>
+          </a:xfrm>
+          <a:prstGeom prst="rect">
+            <a:avLst/>
+          </a:prstGeom>
+          <a:noFill/>
+        </p:spPr>
+        <p:txBody>
+          <a:bodyPr wrap="none" rtlCol="0">
+            <a:spAutoFit/>
+          </a:bodyPr>
+          <a:lstStyle/>
+          <a:p>
+            <a:pPr marL="285750" indent="-285750">
+              <a:buFont typeface="Arial" panose="020B0604020202020204" pitchFamily="34" charset="0"/>
+              <a:buChar char="•"/>
+            </a:pPr>
+            <a:r>
+              <a:rPr lang="en-US" dirty="0"/>
+              <a:t>Need splice between 28AWG electrode and  28 AWG wire</a:t>
+            </a:r>
+          </a:p>
+          <a:p>
+            <a:pPr marL="742950" lvl="1" indent="-285750">
+              <a:buFont typeface="Arial" panose="020B0604020202020204" pitchFamily="34" charset="0"/>
+              <a:buChar char="•"/>
+            </a:pPr>
+            <a:r>
+              <a:rPr lang="en-US" b="0" i="0" dirty="0">
+                <a:solidFill>
+                  <a:srgbClr val="212529"/>
+                </a:solidFill>
+                <a:effectLst/>
+                <a:latin typeface="-apple-system"/>
+              </a:rPr>
+              <a:t>https://amz.run/9l8o</a:t>
+            </a:r>
+            <a:endParaRPr lang="en-US" dirty="0"/>
+          </a:p>
+        </p:txBody>
+      </p:sp>
+      <p:sp>
+        <p:nvSpPr>
+          <p:cNvPr id="10" name="TextBox 9">
+            <a:extLst>
+              <a:ext uri="{FF2B5EF4-FFF2-40B4-BE49-F238E27FC236}">
+                <a16:creationId xmlns:a16="http://schemas.microsoft.com/office/drawing/2014/main" id="{236780AC-D24C-4ABD-1F24-667AAEB38C40}"/>
+              </a:ext>
+            </a:extLst>
+          </p:cNvPr>
+          <p:cNvSpPr txBox="1"/>
+          <p:nvPr/>
+        </p:nvSpPr>
+        <p:spPr>
+          <a:xfrm>
+            <a:off x="838200" y="5774924"/>
+            <a:ext cx="3088218" cy="646331"/>
+          </a:xfrm>
+          <a:prstGeom prst="rect">
+            <a:avLst/>
+          </a:prstGeom>
+          <a:noFill/>
+        </p:spPr>
+        <p:txBody>
+          <a:bodyPr wrap="none" rtlCol="0">
+            <a:spAutoFit/>
+          </a:bodyPr>
+          <a:lstStyle/>
+          <a:p>
+            <a:r>
+              <a:rPr lang="en-US" dirty="0"/>
+              <a:t>Need electrode 28 AWG</a:t>
+            </a:r>
+          </a:p>
+          <a:p>
+            <a:r>
+              <a:rPr lang="en-US" dirty="0"/>
+              <a:t>	</a:t>
+            </a:r>
+            <a:r>
+              <a:rPr lang="en-US" b="0" i="0" dirty="0">
+                <a:solidFill>
+                  <a:srgbClr val="212529"/>
+                </a:solidFill>
+                <a:effectLst/>
+                <a:latin typeface="-apple-system"/>
+              </a:rPr>
+              <a:t>https://amz.run/9l95</a:t>
+            </a:r>
+            <a:endParaRPr lang="en-US" dirty="0"/>
+          </a:p>
+        </p:txBody>
+      </p:sp>
     </p:spTree>
     <p:extLst>
       <p:ext uri="{BB962C8B-B14F-4D97-AF65-F5344CB8AC3E}">
         <p14:creationId xmlns:p14="http://schemas.microsoft.com/office/powerpoint/2010/main" val="2428387434"/>
+      </p:ext>
+    </p:extLst>
+  </p:cSld>
+  <p:clrMapOvr>
+    <a:masterClrMapping/>
+  </p:clrMapOvr>
+</p:sld>
+</file>
+
+<file path=ppt/slides/slide4.xml><?xml version="1.0" encoding="utf-8"?>
+<p:sld xmlns:a="http://schemas.openxmlformats.org/drawingml/2006/main" xmlns:r="http://schemas.openxmlformats.org/officeDocument/2006/relationships" xmlns:p="http://schemas.openxmlformats.org/presentationml/2006/main">
+  <p:cSld>
+    <p:spTree>
+      <p:nvGrpSpPr>
+        <p:cNvPr id="1" name=""/>
+        <p:cNvGrpSpPr/>
+        <p:nvPr/>
+      </p:nvGrpSpPr>
+      <p:grpSpPr>
+        <a:xfrm>
+          <a:off x="0" y="0"/>
+          <a:ext cx="0" cy="0"/>
+          <a:chOff x="0" y="0"/>
+          <a:chExt cx="0" cy="0"/>
+        </a:xfrm>
+      </p:grpSpPr>
+      <p:sp>
+        <p:nvSpPr>
+          <p:cNvPr id="2" name="Title 1">
+            <a:extLst>
+              <a:ext uri="{FF2B5EF4-FFF2-40B4-BE49-F238E27FC236}">
+                <a16:creationId xmlns:a16="http://schemas.microsoft.com/office/drawing/2014/main" id="{210961F2-85D7-FE64-6451-C6AFB15E5FE5}"/>
+              </a:ext>
+            </a:extLst>
+          </p:cNvPr>
+          <p:cNvSpPr>
+            <a:spLocks noGrp="1"/>
+          </p:cNvSpPr>
+          <p:nvPr>
+            <p:ph type="title"/>
+          </p:nvPr>
+        </p:nvSpPr>
+        <p:spPr/>
+        <p:txBody>
+          <a:bodyPr/>
+          <a:lstStyle/>
+          <a:p>
+            <a:endParaRPr lang="en-US"/>
+          </a:p>
+        </p:txBody>
+      </p:sp>
+      <p:sp>
+        <p:nvSpPr>
+          <p:cNvPr id="3" name="Content Placeholder 2">
+            <a:extLst>
+              <a:ext uri="{FF2B5EF4-FFF2-40B4-BE49-F238E27FC236}">
+                <a16:creationId xmlns:a16="http://schemas.microsoft.com/office/drawing/2014/main" id="{3E371B85-E976-8DAC-6ED6-BB0690097925}"/>
+              </a:ext>
+            </a:extLst>
+          </p:cNvPr>
+          <p:cNvSpPr>
+            <a:spLocks noGrp="1"/>
+          </p:cNvSpPr>
+          <p:nvPr>
+            <p:ph idx="1"/>
+          </p:nvPr>
+        </p:nvSpPr>
+        <p:spPr/>
+        <p:txBody>
+          <a:bodyPr/>
+          <a:lstStyle/>
+          <a:p>
+            <a:endParaRPr lang="en-US"/>
+          </a:p>
+        </p:txBody>
+      </p:sp>
+    </p:spTree>
+    <p:extLst>
+      <p:ext uri="{BB962C8B-B14F-4D97-AF65-F5344CB8AC3E}">
+        <p14:creationId xmlns:p14="http://schemas.microsoft.com/office/powerpoint/2010/main" val="3480890349"/>
       </p:ext>
     </p:extLst>
   </p:cSld>

--- a/Documentation/Wiring.pptx
+++ b/Documentation/Wiring.pptx
@@ -262,7 +262,7 @@
           <a:p>
             <a:fld id="{570BDB95-98F5-4807-8442-A270644B8B55}" type="datetimeFigureOut">
               <a:rPr lang="en-US" smtClean="0"/>
-              <a:t>10/25/2024</a:t>
+              <a:t>10/29/2024</a:t>
             </a:fld>
             <a:endParaRPr lang="en-US"/>
           </a:p>
@@ -460,7 +460,7 @@
           <a:p>
             <a:fld id="{570BDB95-98F5-4807-8442-A270644B8B55}" type="datetimeFigureOut">
               <a:rPr lang="en-US" smtClean="0"/>
-              <a:t>10/25/2024</a:t>
+              <a:t>10/29/2024</a:t>
             </a:fld>
             <a:endParaRPr lang="en-US"/>
           </a:p>
@@ -668,7 +668,7 @@
           <a:p>
             <a:fld id="{570BDB95-98F5-4807-8442-A270644B8B55}" type="datetimeFigureOut">
               <a:rPr lang="en-US" smtClean="0"/>
-              <a:t>10/25/2024</a:t>
+              <a:t>10/29/2024</a:t>
             </a:fld>
             <a:endParaRPr lang="en-US"/>
           </a:p>
@@ -866,7 +866,7 @@
           <a:p>
             <a:fld id="{570BDB95-98F5-4807-8442-A270644B8B55}" type="datetimeFigureOut">
               <a:rPr lang="en-US" smtClean="0"/>
-              <a:t>10/25/2024</a:t>
+              <a:t>10/29/2024</a:t>
             </a:fld>
             <a:endParaRPr lang="en-US"/>
           </a:p>
@@ -1141,7 +1141,7 @@
           <a:p>
             <a:fld id="{570BDB95-98F5-4807-8442-A270644B8B55}" type="datetimeFigureOut">
               <a:rPr lang="en-US" smtClean="0"/>
-              <a:t>10/25/2024</a:t>
+              <a:t>10/29/2024</a:t>
             </a:fld>
             <a:endParaRPr lang="en-US"/>
           </a:p>
@@ -1406,7 +1406,7 @@
           <a:p>
             <a:fld id="{570BDB95-98F5-4807-8442-A270644B8B55}" type="datetimeFigureOut">
               <a:rPr lang="en-US" smtClean="0"/>
-              <a:t>10/25/2024</a:t>
+              <a:t>10/29/2024</a:t>
             </a:fld>
             <a:endParaRPr lang="en-US"/>
           </a:p>
@@ -1818,7 +1818,7 @@
           <a:p>
             <a:fld id="{570BDB95-98F5-4807-8442-A270644B8B55}" type="datetimeFigureOut">
               <a:rPr lang="en-US" smtClean="0"/>
-              <a:t>10/25/2024</a:t>
+              <a:t>10/29/2024</a:t>
             </a:fld>
             <a:endParaRPr lang="en-US"/>
           </a:p>
@@ -1959,7 +1959,7 @@
           <a:p>
             <a:fld id="{570BDB95-98F5-4807-8442-A270644B8B55}" type="datetimeFigureOut">
               <a:rPr lang="en-US" smtClean="0"/>
-              <a:t>10/25/2024</a:t>
+              <a:t>10/29/2024</a:t>
             </a:fld>
             <a:endParaRPr lang="en-US"/>
           </a:p>
@@ -2072,7 +2072,7 @@
           <a:p>
             <a:fld id="{570BDB95-98F5-4807-8442-A270644B8B55}" type="datetimeFigureOut">
               <a:rPr lang="en-US" smtClean="0"/>
-              <a:t>10/25/2024</a:t>
+              <a:t>10/29/2024</a:t>
             </a:fld>
             <a:endParaRPr lang="en-US"/>
           </a:p>
@@ -2383,7 +2383,7 @@
           <a:p>
             <a:fld id="{570BDB95-98F5-4807-8442-A270644B8B55}" type="datetimeFigureOut">
               <a:rPr lang="en-US" smtClean="0"/>
-              <a:t>10/25/2024</a:t>
+              <a:t>10/29/2024</a:t>
             </a:fld>
             <a:endParaRPr lang="en-US"/>
           </a:p>
@@ -2671,7 +2671,7 @@
           <a:p>
             <a:fld id="{570BDB95-98F5-4807-8442-A270644B8B55}" type="datetimeFigureOut">
               <a:rPr lang="en-US" smtClean="0"/>
-              <a:t>10/25/2024</a:t>
+              <a:t>10/29/2024</a:t>
             </a:fld>
             <a:endParaRPr lang="en-US"/>
           </a:p>
@@ -2912,7 +2912,7 @@
           <a:p>
             <a:fld id="{570BDB95-98F5-4807-8442-A270644B8B55}" type="datetimeFigureOut">
               <a:rPr lang="en-US" smtClean="0"/>
-              <a:t>10/25/2024</a:t>
+              <a:t>10/29/2024</a:t>
             </a:fld>
             <a:endParaRPr lang="en-US"/>
           </a:p>
@@ -3851,7 +3851,7 @@
         </p:nvSpPr>
         <p:spPr>
           <a:xfrm>
-            <a:off x="720138" y="3864508"/>
+            <a:off x="720138" y="3715378"/>
             <a:ext cx="7376699" cy="646331"/>
           </a:xfrm>
           <a:prstGeom prst="rect">
@@ -3907,7 +3907,7 @@
         </p:nvSpPr>
         <p:spPr>
           <a:xfrm>
-            <a:off x="720138" y="4726511"/>
+            <a:off x="838200" y="4510839"/>
             <a:ext cx="5882316" cy="646331"/>
           </a:xfrm>
           <a:prstGeom prst="rect">
@@ -3963,7 +3963,7 @@
         </p:nvSpPr>
         <p:spPr>
           <a:xfrm>
-            <a:off x="838200" y="5774924"/>
+            <a:off x="838200" y="5223712"/>
             <a:ext cx="3088218" cy="646331"/>
           </a:xfrm>
           <a:prstGeom prst="rect">
@@ -3998,6 +3998,62 @@
               <a:t>https://amz.run/9l95</a:t>
             </a:r>
             <a:endParaRPr lang="en-US" dirty="0"/>
+          </a:p>
+        </p:txBody>
+      </p:sp>
+      <p:sp>
+        <p:nvSpPr>
+          <p:cNvPr id="8" name="TextBox 7">
+            <a:extLst>
+              <a:ext uri="{FF2B5EF4-FFF2-40B4-BE49-F238E27FC236}">
+                <a16:creationId xmlns:a16="http://schemas.microsoft.com/office/drawing/2014/main" id="{B1EB2BD7-12A8-1596-7376-039C666719F1}"/>
+              </a:ext>
+            </a:extLst>
+          </p:cNvPr>
+          <p:cNvSpPr txBox="1"/>
+          <p:nvPr/>
+        </p:nvSpPr>
+        <p:spPr>
+          <a:xfrm>
+            <a:off x="1083076" y="6132008"/>
+            <a:ext cx="3323282" cy="584775"/>
+          </a:xfrm>
+          <a:prstGeom prst="rect">
+            <a:avLst/>
+          </a:prstGeom>
+          <a:noFill/>
+        </p:spPr>
+        <p:txBody>
+          <a:bodyPr wrap="none" rtlCol="0">
+            <a:spAutoFit/>
+          </a:bodyPr>
+          <a:lstStyle/>
+          <a:p>
+            <a:pPr marL="285750" indent="-285750">
+              <a:buFont typeface="Arial" panose="020B0604020202020204" pitchFamily="34" charset="0"/>
+              <a:buChar char="•"/>
+            </a:pPr>
+            <a:r>
+              <a:rPr lang="en-US" sz="1600" dirty="0"/>
+              <a:t>Need thin solder for cup terminals</a:t>
+            </a:r>
+          </a:p>
+          <a:p>
+            <a:pPr marL="742950" lvl="1" indent="-285750">
+              <a:buFont typeface="Arial" panose="020B0604020202020204" pitchFamily="34" charset="0"/>
+              <a:buChar char="•"/>
+            </a:pPr>
+            <a:r>
+              <a:rPr lang="en-US" sz="1600" b="0" i="0" dirty="0">
+                <a:solidFill>
+                  <a:srgbClr val="212529"/>
+                </a:solidFill>
+                <a:effectLst/>
+                <a:latin typeface="-apple-system"/>
+              </a:rPr>
+              <a:t>https://amz.run/9lq2</a:t>
+            </a:r>
+            <a:endParaRPr lang="en-US" sz="1600" dirty="0"/>
           </a:p>
         </p:txBody>
       </p:sp>
